--- a/个人文档/汇报-lbc20190428.pptx
+++ b/个人文档/汇报-lbc20190428.pptx
@@ -265,7 +265,7 @@
           <a:p>
             <a:fld id="{24B4E25A-23DD-4495-BD7A-7E80BEB34C11}" type="datetimeFigureOut">
               <a:rPr lang="zh-CN" altLang="en-US" smtClean="0"/>
-              <a:t>2019/4/28</a:t>
+              <a:t>2019/4/28 Sunday</a:t>
             </a:fld>
             <a:endParaRPr lang="zh-CN" altLang="en-US"/>
           </a:p>
@@ -463,7 +463,7 @@
           <a:p>
             <a:fld id="{24B4E25A-23DD-4495-BD7A-7E80BEB34C11}" type="datetimeFigureOut">
               <a:rPr lang="zh-CN" altLang="en-US" smtClean="0"/>
-              <a:t>2019/4/28</a:t>
+              <a:t>2019/4/28 Sunday</a:t>
             </a:fld>
             <a:endParaRPr lang="zh-CN" altLang="en-US"/>
           </a:p>
@@ -671,7 +671,7 @@
           <a:p>
             <a:fld id="{24B4E25A-23DD-4495-BD7A-7E80BEB34C11}" type="datetimeFigureOut">
               <a:rPr lang="zh-CN" altLang="en-US" smtClean="0"/>
-              <a:t>2019/4/28</a:t>
+              <a:t>2019/4/28 Sunday</a:t>
             </a:fld>
             <a:endParaRPr lang="zh-CN" altLang="en-US"/>
           </a:p>
@@ -869,7 +869,7 @@
           <a:p>
             <a:fld id="{24B4E25A-23DD-4495-BD7A-7E80BEB34C11}" type="datetimeFigureOut">
               <a:rPr lang="zh-CN" altLang="en-US" smtClean="0"/>
-              <a:t>2019/4/28</a:t>
+              <a:t>2019/4/28 Sunday</a:t>
             </a:fld>
             <a:endParaRPr lang="zh-CN" altLang="en-US"/>
           </a:p>
@@ -1144,7 +1144,7 @@
           <a:p>
             <a:fld id="{24B4E25A-23DD-4495-BD7A-7E80BEB34C11}" type="datetimeFigureOut">
               <a:rPr lang="zh-CN" altLang="en-US" smtClean="0"/>
-              <a:t>2019/4/28</a:t>
+              <a:t>2019/4/28 Sunday</a:t>
             </a:fld>
             <a:endParaRPr lang="zh-CN" altLang="en-US"/>
           </a:p>
@@ -1409,7 +1409,7 @@
           <a:p>
             <a:fld id="{24B4E25A-23DD-4495-BD7A-7E80BEB34C11}" type="datetimeFigureOut">
               <a:rPr lang="zh-CN" altLang="en-US" smtClean="0"/>
-              <a:t>2019/4/28</a:t>
+              <a:t>2019/4/28 Sunday</a:t>
             </a:fld>
             <a:endParaRPr lang="zh-CN" altLang="en-US"/>
           </a:p>
@@ -1821,7 +1821,7 @@
           <a:p>
             <a:fld id="{24B4E25A-23DD-4495-BD7A-7E80BEB34C11}" type="datetimeFigureOut">
               <a:rPr lang="zh-CN" altLang="en-US" smtClean="0"/>
-              <a:t>2019/4/28</a:t>
+              <a:t>2019/4/28 Sunday</a:t>
             </a:fld>
             <a:endParaRPr lang="zh-CN" altLang="en-US"/>
           </a:p>
@@ -1962,7 +1962,7 @@
           <a:p>
             <a:fld id="{24B4E25A-23DD-4495-BD7A-7E80BEB34C11}" type="datetimeFigureOut">
               <a:rPr lang="zh-CN" altLang="en-US" smtClean="0"/>
-              <a:t>2019/4/28</a:t>
+              <a:t>2019/4/28 Sunday</a:t>
             </a:fld>
             <a:endParaRPr lang="zh-CN" altLang="en-US"/>
           </a:p>
@@ -2075,7 +2075,7 @@
           <a:p>
             <a:fld id="{24B4E25A-23DD-4495-BD7A-7E80BEB34C11}" type="datetimeFigureOut">
               <a:rPr lang="zh-CN" altLang="en-US" smtClean="0"/>
-              <a:t>2019/4/28</a:t>
+              <a:t>2019/4/28 Sunday</a:t>
             </a:fld>
             <a:endParaRPr lang="zh-CN" altLang="en-US"/>
           </a:p>
@@ -2386,7 +2386,7 @@
           <a:p>
             <a:fld id="{24B4E25A-23DD-4495-BD7A-7E80BEB34C11}" type="datetimeFigureOut">
               <a:rPr lang="zh-CN" altLang="en-US" smtClean="0"/>
-              <a:t>2019/4/28</a:t>
+              <a:t>2019/4/28 Sunday</a:t>
             </a:fld>
             <a:endParaRPr lang="zh-CN" altLang="en-US"/>
           </a:p>
@@ -2674,7 +2674,7 @@
           <a:p>
             <a:fld id="{24B4E25A-23DD-4495-BD7A-7E80BEB34C11}" type="datetimeFigureOut">
               <a:rPr lang="zh-CN" altLang="en-US" smtClean="0"/>
-              <a:t>2019/4/28</a:t>
+              <a:t>2019/4/28 Sunday</a:t>
             </a:fld>
             <a:endParaRPr lang="zh-CN" altLang="en-US"/>
           </a:p>
@@ -2915,7 +2915,7 @@
           <a:p>
             <a:fld id="{24B4E25A-23DD-4495-BD7A-7E80BEB34C11}" type="datetimeFigureOut">
               <a:rPr lang="zh-CN" altLang="en-US" smtClean="0"/>
-              <a:t>2019/4/28</a:t>
+              <a:t>2019/4/28 Sunday</a:t>
             </a:fld>
             <a:endParaRPr lang="zh-CN" altLang="en-US"/>
           </a:p>
@@ -3396,10 +3396,9 @@
           <a:p>
             <a:pPr algn="ctr"/>
             <a:r>
-              <a:rPr lang="zh-CN" altLang="en-US" dirty="0" smtClean="0"/>
+              <a:rPr lang="zh-CN" altLang="en-US" dirty="0"/>
               <a:t>周报</a:t>
             </a:r>
-            <a:endParaRPr lang="zh-CN" altLang="en-US" dirty="0"/>
           </a:p>
         </p:txBody>
       </p:sp>
@@ -3431,22 +3430,16 @@
           <a:p>
             <a:pPr algn="r"/>
             <a:r>
-              <a:rPr lang="en-US" altLang="zh-CN" dirty="0" smtClean="0"/>
+              <a:rPr lang="en-US" altLang="zh-CN" dirty="0"/>
               <a:t>2019.04.28</a:t>
             </a:r>
-            <a:endParaRPr lang="en-US" altLang="zh-CN" dirty="0"/>
           </a:p>
           <a:p>
             <a:pPr algn="r"/>
             <a:r>
               <a:rPr lang="zh-CN" altLang="en-US" dirty="0"/>
-              <a:t>李</a:t>
-            </a:r>
-            <a:r>
-              <a:rPr lang="zh-CN" altLang="en-US" dirty="0" smtClean="0"/>
-              <a:t>冰川</a:t>
-            </a:r>
-            <a:endParaRPr lang="zh-CN" altLang="en-US" dirty="0"/>
+              <a:t>李冰川</a:t>
+            </a:r>
           </a:p>
         </p:txBody>
       </p:sp>
@@ -3542,30 +3535,30 @@
           <a:lstStyle/>
           <a:p>
             <a:r>
-              <a:rPr lang="zh-CN" altLang="en-US" dirty="0" smtClean="0"/>
+              <a:rPr lang="zh-CN" altLang="en-US" dirty="0"/>
               <a:t>阅读</a:t>
             </a:r>
             <a:r>
-              <a:rPr lang="en-US" altLang="zh-CN" dirty="0" smtClean="0"/>
+              <a:rPr lang="en-US" altLang="zh-CN" dirty="0"/>
               <a:t>3dmm</a:t>
             </a:r>
             <a:r>
-              <a:rPr lang="zh-CN" altLang="en-US" dirty="0" smtClean="0"/>
+              <a:rPr lang="zh-CN" altLang="en-US" dirty="0"/>
               <a:t>论文，熟悉</a:t>
             </a:r>
             <a:r>
-              <a:rPr lang="en-US" altLang="zh-CN" dirty="0" smtClean="0"/>
+              <a:rPr lang="en-US" altLang="zh-CN" dirty="0"/>
               <a:t>3dmm</a:t>
             </a:r>
             <a:r>
-              <a:rPr lang="zh-CN" altLang="en-US" dirty="0" smtClean="0"/>
+              <a:rPr lang="zh-CN" altLang="en-US" dirty="0"/>
               <a:t>建模代码</a:t>
             </a:r>
-            <a:endParaRPr lang="en-US" altLang="zh-CN" dirty="0" smtClean="0"/>
-          </a:p>
-          <a:p>
-            <a:r>
-              <a:rPr lang="zh-CN" altLang="zh-CN" dirty="0" smtClean="0"/>
+            <a:endParaRPr lang="en-US" altLang="zh-CN" dirty="0"/>
+          </a:p>
+          <a:p>
+            <a:r>
+              <a:rPr lang="zh-CN" altLang="zh-CN" dirty="0"/>
               <a:t>阅读</a:t>
             </a:r>
             <a:r>
@@ -3574,27 +3567,19 @@
             </a:r>
             <a:r>
               <a:rPr lang="zh-CN" altLang="zh-CN" dirty="0"/>
-              <a:t>论文</a:t>
-            </a:r>
-            <a:r>
-              <a:rPr lang="zh-CN" altLang="zh-CN" dirty="0" smtClean="0"/>
-              <a:t>，</a:t>
-            </a:r>
-            <a:r>
-              <a:rPr lang="zh-CN" altLang="en-US" dirty="0" smtClean="0"/>
+              <a:t>论文，</a:t>
+            </a:r>
+            <a:r>
+              <a:rPr lang="zh-CN" altLang="en-US" dirty="0"/>
               <a:t>熟悉</a:t>
             </a:r>
             <a:r>
-              <a:rPr lang="en-US" altLang="zh-CN" dirty="0" err="1" smtClean="0"/>
+              <a:rPr lang="en-US" altLang="zh-CN" dirty="0" err="1"/>
               <a:t>smpl</a:t>
             </a:r>
             <a:r>
-              <a:rPr lang="zh-CN" altLang="zh-CN" dirty="0" smtClean="0"/>
-              <a:t>建模</a:t>
-            </a:r>
-            <a:r>
               <a:rPr lang="zh-CN" altLang="zh-CN" dirty="0"/>
-              <a:t>代码</a:t>
+              <a:t>建模代码</a:t>
             </a:r>
           </a:p>
           <a:p>
@@ -3651,13 +3636,6 @@
   <p:clrMapOvr>
     <a:masterClrMapping/>
   </p:clrMapOvr>
-  <p:timing>
-    <p:tnLst>
-      <p:par>
-        <p:cTn id="1" dur="indefinite" restart="never" nodeType="tmRoot"/>
-      </p:par>
-    </p:tnLst>
-  </p:timing>
 </p:sld>
 </file>
 
@@ -3705,14 +3683,13 @@
           <a:lstStyle/>
           <a:p>
             <a:r>
-              <a:rPr lang="en-US" altLang="zh-CN" dirty="0" smtClean="0"/>
+              <a:rPr lang="en-US" altLang="zh-CN" dirty="0"/>
               <a:t>3dmm</a:t>
             </a:r>
             <a:r>
-              <a:rPr lang="zh-CN" altLang="en-US" dirty="0" smtClean="0"/>
+              <a:rPr lang="zh-CN" altLang="en-US" dirty="0"/>
               <a:t>建模：</a:t>
             </a:r>
-            <a:endParaRPr lang="zh-CN" altLang="en-US" dirty="0"/>
           </a:p>
         </p:txBody>
       </p:sp>
@@ -3900,7 +3877,7 @@
           <a:graphicData uri="http://schemas.openxmlformats.org/presentationml/2006/ole">
             <mc:AlternateContent xmlns:mc="http://schemas.openxmlformats.org/markup-compatibility/2006">
               <mc:Choice xmlns:v="urn:schemas-microsoft-com:vml" Requires="v">
-                <p:oleObj spid="_x0000_s1150" name="文档" r:id="rId4" imgW="5261479" imgH="1785400" progId="Word.Document.12">
+                <p:oleObj spid="_x0000_s1158" name="文档" r:id="rId4" imgW="5261479" imgH="1785400" progId="Word.Document.12">
                   <p:embed/>
                 </p:oleObj>
               </mc:Choice>
@@ -3945,13 +3922,6 @@
   <p:clrMapOvr>
     <a:masterClrMapping/>
   </p:clrMapOvr>
-  <p:timing>
-    <p:tnLst>
-      <p:par>
-        <p:cTn id="1" dur="indefinite" restart="never" nodeType="tmRoot"/>
-      </p:par>
-    </p:tnLst>
-  </p:timing>
 </p:sld>
 </file>
 
@@ -4143,25 +4113,25 @@
           <p:nvPr>
             <p:extLst>
               <p:ext uri="{D42A27DB-BD31-4B8C-83A1-F6EECF244321}">
-                <p14:modId xmlns:p14="http://schemas.microsoft.com/office/powerpoint/2010/main" val="3467153045"/>
+                <p14:modId xmlns:p14="http://schemas.microsoft.com/office/powerpoint/2010/main" val="1356946839"/>
               </p:ext>
             </p:extLst>
           </p:nvPr>
         </p:nvGraphicFramePr>
         <p:xfrm>
-          <a:off x="816744" y="1823553"/>
-          <a:ext cx="8530701" cy="4180404"/>
+          <a:off x="800100" y="1574800"/>
+          <a:ext cx="10121900" cy="5321300"/>
         </p:xfrm>
         <a:graphic>
           <a:graphicData uri="http://schemas.openxmlformats.org/presentationml/2006/ole">
             <mc:AlternateContent xmlns:mc="http://schemas.openxmlformats.org/markup-compatibility/2006">
               <mc:Choice xmlns:v="urn:schemas-microsoft-com:vml" Requires="v">
-                <p:oleObj spid="_x0000_s2053" name="文档" r:id="rId4" imgW="5261479" imgH="2578790" progId="Word.Document.12">
+                <p:oleObj spid="_x0000_s2061" name="Document" r:id="rId4" imgW="5274753" imgH="2773540" progId="Word.Document.12">
                   <p:embed/>
                 </p:oleObj>
               </mc:Choice>
               <mc:Fallback>
-                <p:oleObj name="文档" r:id="rId4" imgW="5261479" imgH="2578790" progId="Word.Document.12">
+                <p:oleObj name="Document" r:id="rId4" imgW="5274753" imgH="2773540" progId="Word.Document.12">
                   <p:embed/>
                   <p:pic>
                     <p:nvPicPr>
@@ -4177,8 +4147,8 @@
                     </p:blipFill>
                     <p:spPr>
                       <a:xfrm>
-                        <a:off x="816744" y="1823553"/>
-                        <a:ext cx="8530701" cy="4180404"/>
+                        <a:off x="800100" y="1574800"/>
+                        <a:ext cx="10121900" cy="5321300"/>
                       </a:xfrm>
                       <a:prstGeom prst="rect">
                         <a:avLst/>
@@ -4201,13 +4171,6 @@
   <p:clrMapOvr>
     <a:masterClrMapping/>
   </p:clrMapOvr>
-  <p:timing>
-    <p:tnLst>
-      <p:par>
-        <p:cTn id="1" dur="indefinite" restart="never" nodeType="tmRoot"/>
-      </p:par>
-    </p:tnLst>
-  </p:timing>
 </p:sld>
 </file>
 
@@ -4255,14 +4218,13 @@
           <a:lstStyle/>
           <a:p>
             <a:r>
-              <a:rPr lang="en-US" altLang="zh-CN" dirty="0" err="1" smtClean="0"/>
+              <a:rPr lang="en-US" altLang="zh-CN" dirty="0" err="1"/>
               <a:t>smpl</a:t>
             </a:r>
             <a:r>
-              <a:rPr lang="zh-CN" altLang="en-US" dirty="0" smtClean="0"/>
+              <a:rPr lang="zh-CN" altLang="en-US" dirty="0"/>
               <a:t>建模：</a:t>
             </a:r>
-            <a:endParaRPr lang="zh-CN" altLang="en-US" dirty="0"/>
           </a:p>
         </p:txBody>
       </p:sp>
@@ -4450,7 +4412,7 @@
           <a:graphicData uri="http://schemas.openxmlformats.org/presentationml/2006/ole">
             <mc:AlternateContent xmlns:mc="http://schemas.openxmlformats.org/markup-compatibility/2006">
               <mc:Choice xmlns:v="urn:schemas-microsoft-com:vml" Requires="v">
-                <p:oleObj spid="_x0000_s3077" name="文档" r:id="rId4" imgW="5265070" imgH="2380533" progId="Word.Document.12">
+                <p:oleObj spid="_x0000_s3085" name="文档" r:id="rId4" imgW="5265070" imgH="2380533" progId="Word.Document.12">
                   <p:embed/>
                 </p:oleObj>
               </mc:Choice>
@@ -4495,13 +4457,6 @@
   <p:clrMapOvr>
     <a:masterClrMapping/>
   </p:clrMapOvr>
-  <p:timing>
-    <p:tnLst>
-      <p:par>
-        <p:cTn id="1" dur="indefinite" restart="never" nodeType="tmRoot"/>
-      </p:par>
-    </p:tnLst>
-  </p:timing>
 </p:sld>
 </file>
 
@@ -4706,7 +4661,7 @@
           <a:graphicData uri="http://schemas.openxmlformats.org/presentationml/2006/ole">
             <mc:AlternateContent xmlns:mc="http://schemas.openxmlformats.org/markup-compatibility/2006">
               <mc:Choice xmlns:v="urn:schemas-microsoft-com:vml" Requires="v">
-                <p:oleObj spid="_x0000_s4101" name="文档" r:id="rId4" imgW="5265070" imgH="2978910" progId="Word.Document.12">
+                <p:oleObj spid="_x0000_s4109" name="文档" r:id="rId4" imgW="5265070" imgH="2978910" progId="Word.Document.12">
                   <p:embed/>
                 </p:oleObj>
               </mc:Choice>
@@ -4751,13 +4706,6 @@
   <p:clrMapOvr>
     <a:masterClrMapping/>
   </p:clrMapOvr>
-  <p:timing>
-    <p:tnLst>
-      <p:par>
-        <p:cTn id="1" dur="indefinite" restart="never" nodeType="tmRoot"/>
-      </p:par>
-    </p:tnLst>
-  </p:timing>
 </p:sld>
 </file>
 
@@ -4864,13 +4812,6 @@
   <p:clrMapOvr>
     <a:masterClrMapping/>
   </p:clrMapOvr>
-  <p:timing>
-    <p:tnLst>
-      <p:par>
-        <p:cTn id="1" dur="indefinite" restart="never" nodeType="tmRoot"/>
-      </p:par>
-    </p:tnLst>
-  </p:timing>
 </p:sld>
 </file>
 
